--- a/report/Prezentatsia_Kursach.pptx
+++ b/report/Prezentatsia_Kursach.pptx
@@ -7,15 +7,18 @@
   <p:sldIdLst>
     <p:sldId id="256" r:id="rId2"/>
     <p:sldId id="257" r:id="rId3"/>
-    <p:sldId id="258" r:id="rId4"/>
-    <p:sldId id="259" r:id="rId5"/>
-    <p:sldId id="260" r:id="rId6"/>
-    <p:sldId id="261" r:id="rId7"/>
-    <p:sldId id="262" r:id="rId8"/>
-    <p:sldId id="263" r:id="rId9"/>
+    <p:sldId id="264" r:id="rId4"/>
+    <p:sldId id="265" r:id="rId5"/>
+    <p:sldId id="266" r:id="rId6"/>
+    <p:sldId id="258" r:id="rId7"/>
+    <p:sldId id="259" r:id="rId8"/>
+    <p:sldId id="260" r:id="rId9"/>
+    <p:sldId id="262" r:id="rId10"/>
+    <p:sldId id="261" r:id="rId11"/>
+    <p:sldId id="263" r:id="rId12"/>
   </p:sldIdLst>
   <p:sldSz cx="12192000" cy="6858000"/>
-  <p:notesSz cx="6858000" cy="9144000"/>
+  <p:notesSz cx="6889750" cy="10021888"/>
   <p:defaultTextStyle>
     <a:defPPr>
       <a:defRPr lang="ru-RU"/>
@@ -157,30 +160,31 @@
             <c:symbol val="none"/>
           </c:marker>
           <c:cat>
-            <c:strRef>
+            <c:numRef>
               <c:f>Лист1!$B$2:$G$2</c:f>
-              <c:strCache>
+              <c:numCache>
+                <c:formatCode>General</c:formatCode>
                 <c:ptCount val="6"/>
                 <c:pt idx="0">
-                  <c:v>4x4</c:v>
+                  <c:v>4</c:v>
                 </c:pt>
                 <c:pt idx="1">
-                  <c:v>10x10</c:v>
+                  <c:v>10</c:v>
                 </c:pt>
                 <c:pt idx="2">
-                  <c:v>20x20</c:v>
+                  <c:v>20</c:v>
                 </c:pt>
                 <c:pt idx="3">
-                  <c:v>30x30</c:v>
+                  <c:v>30</c:v>
                 </c:pt>
                 <c:pt idx="4">
-                  <c:v>40x40</c:v>
+                  <c:v>40</c:v>
                 </c:pt>
                 <c:pt idx="5">
-                  <c:v>50x50</c:v>
+                  <c:v>50</c:v>
                 </c:pt>
-              </c:strCache>
-            </c:strRef>
+              </c:numCache>
+            </c:numRef>
           </c:cat>
           <c:val>
             <c:numRef>
@@ -229,30 +233,31 @@
             <c:symbol val="none"/>
           </c:marker>
           <c:cat>
-            <c:strRef>
+            <c:numRef>
               <c:f>Лист1!$B$2:$G$2</c:f>
-              <c:strCache>
+              <c:numCache>
+                <c:formatCode>General</c:formatCode>
                 <c:ptCount val="6"/>
                 <c:pt idx="0">
-                  <c:v>4x4</c:v>
+                  <c:v>4</c:v>
                 </c:pt>
                 <c:pt idx="1">
-                  <c:v>10x10</c:v>
+                  <c:v>10</c:v>
                 </c:pt>
                 <c:pt idx="2">
-                  <c:v>20x20</c:v>
+                  <c:v>20</c:v>
                 </c:pt>
                 <c:pt idx="3">
-                  <c:v>30x30</c:v>
+                  <c:v>30</c:v>
                 </c:pt>
                 <c:pt idx="4">
-                  <c:v>40x40</c:v>
+                  <c:v>40</c:v>
                 </c:pt>
                 <c:pt idx="5">
-                  <c:v>50x50</c:v>
+                  <c:v>50</c:v>
                 </c:pt>
-              </c:strCache>
-            </c:strRef>
+              </c:numCache>
+            </c:numRef>
           </c:cat>
           <c:val>
             <c:numRef>
@@ -301,30 +306,31 @@
             <c:symbol val="none"/>
           </c:marker>
           <c:cat>
-            <c:strRef>
+            <c:numRef>
               <c:f>Лист1!$B$2:$G$2</c:f>
-              <c:strCache>
+              <c:numCache>
+                <c:formatCode>General</c:formatCode>
                 <c:ptCount val="6"/>
                 <c:pt idx="0">
-                  <c:v>4x4</c:v>
+                  <c:v>4</c:v>
                 </c:pt>
                 <c:pt idx="1">
-                  <c:v>10x10</c:v>
+                  <c:v>10</c:v>
                 </c:pt>
                 <c:pt idx="2">
-                  <c:v>20x20</c:v>
+                  <c:v>20</c:v>
                 </c:pt>
                 <c:pt idx="3">
-                  <c:v>30x30</c:v>
+                  <c:v>30</c:v>
                 </c:pt>
                 <c:pt idx="4">
-                  <c:v>40x40</c:v>
+                  <c:v>40</c:v>
                 </c:pt>
                 <c:pt idx="5">
-                  <c:v>50x50</c:v>
+                  <c:v>50</c:v>
                 </c:pt>
-              </c:strCache>
-            </c:strRef>
+              </c:numCache>
+            </c:numRef>
           </c:cat>
           <c:val>
             <c:numRef>
@@ -365,11 +371,11 @@
         </c:dLbls>
         <c:marker val="1"/>
         <c:smooth val="0"/>
-        <c:axId val="36233728"/>
-        <c:axId val="37120832"/>
+        <c:axId val="126900224"/>
+        <c:axId val="140829824"/>
       </c:lineChart>
       <c:catAx>
-        <c:axId val="36233728"/>
+        <c:axId val="126900224"/>
         <c:scaling>
           <c:orientation val="minMax"/>
         </c:scaling>
@@ -441,10 +447,11 @@
           </c:layout>
           <c:overlay val="0"/>
         </c:title>
+        <c:numFmt formatCode="General" sourceLinked="1"/>
         <c:majorTickMark val="out"/>
         <c:minorTickMark val="none"/>
         <c:tickLblPos val="nextTo"/>
-        <c:crossAx val="37120832"/>
+        <c:crossAx val="140829824"/>
         <c:crosses val="autoZero"/>
         <c:auto val="1"/>
         <c:lblAlgn val="ctr"/>
@@ -452,7 +459,7 @@
         <c:noMultiLvlLbl val="0"/>
       </c:catAx>
       <c:valAx>
-        <c:axId val="37120832"/>
+        <c:axId val="140829824"/>
         <c:scaling>
           <c:orientation val="minMax"/>
         </c:scaling>
@@ -485,10 +492,16 @@
         <c:majorTickMark val="out"/>
         <c:minorTickMark val="none"/>
         <c:tickLblPos val="nextTo"/>
-        <c:crossAx val="36233728"/>
+        <c:crossAx val="126900224"/>
         <c:crosses val="autoZero"/>
         <c:crossBetween val="between"/>
       </c:valAx>
+      <c:spPr>
+        <a:noFill/>
+        <a:ln w="25400">
+          <a:noFill/>
+        </a:ln>
+      </c:spPr>
     </c:plotArea>
     <c:legend>
       <c:legendPos val="r"/>
@@ -573,19 +586,19 @@
                 <c:formatCode>General</c:formatCode>
                 <c:ptCount val="5"/>
                 <c:pt idx="0">
-                  <c:v>73.157799999999995</c:v>
+                  <c:v>7.3157800000000002</c:v>
                 </c:pt>
                 <c:pt idx="1">
-                  <c:v>94.678299999999993</c:v>
+                  <c:v>9.4678299999999993</c:v>
                 </c:pt>
                 <c:pt idx="2">
-                  <c:v>125.2</c:v>
+                  <c:v>12.52</c:v>
                 </c:pt>
                 <c:pt idx="3">
-                  <c:v>141.19999999999999</c:v>
+                  <c:v>14.12</c:v>
                 </c:pt>
                 <c:pt idx="4">
-                  <c:v>167.1</c:v>
+                  <c:v>16.71</c:v>
                 </c:pt>
               </c:numCache>
             </c:numRef>
@@ -640,19 +653,19 @@
                 <c:formatCode>General</c:formatCode>
                 <c:ptCount val="5"/>
                 <c:pt idx="0">
-                  <c:v>10.8614</c:v>
+                  <c:v>1.0861400000000001</c:v>
                 </c:pt>
                 <c:pt idx="1">
-                  <c:v>11.2735</c:v>
+                  <c:v>1.1273500000000001</c:v>
                 </c:pt>
                 <c:pt idx="2">
-                  <c:v>11.7</c:v>
+                  <c:v>1.17</c:v>
                 </c:pt>
                 <c:pt idx="3">
-                  <c:v>12.1</c:v>
+                  <c:v>1.21</c:v>
                 </c:pt>
                 <c:pt idx="4">
-                  <c:v>12.7</c:v>
+                  <c:v>1.27</c:v>
                 </c:pt>
               </c:numCache>
             </c:numRef>
@@ -669,11 +682,11 @@
         </c:dLbls>
         <c:marker val="1"/>
         <c:smooth val="0"/>
-        <c:axId val="152175104"/>
-        <c:axId val="37123136"/>
+        <c:axId val="46384128"/>
+        <c:axId val="134598592"/>
       </c:lineChart>
       <c:catAx>
-        <c:axId val="152175104"/>
+        <c:axId val="46384128"/>
         <c:scaling>
           <c:orientation val="minMax"/>
         </c:scaling>
@@ -689,14 +702,14 @@
                   <a:defRPr/>
                 </a:pPr>
                 <a:r>
-                  <a:rPr lang="ru-RU"/>
+                  <a:rPr lang="ru-RU" sz="1050" dirty="0"/>
                   <a:t>Количество</a:t>
                 </a:r>
                 <a:r>
-                  <a:rPr lang="ru-RU" baseline="0"/>
+                  <a:rPr lang="ru-RU" sz="1050" baseline="0" dirty="0"/>
                   <a:t> объектов на сцене</a:t>
                 </a:r>
-                <a:endParaRPr lang="ru-RU"/>
+                <a:endParaRPr lang="ru-RU" sz="1050" dirty="0"/>
               </a:p>
             </c:rich>
           </c:tx>
@@ -707,7 +720,7 @@
         <c:majorTickMark val="out"/>
         <c:minorTickMark val="none"/>
         <c:tickLblPos val="nextTo"/>
-        <c:crossAx val="37123136"/>
+        <c:crossAx val="134598592"/>
         <c:crosses val="autoZero"/>
         <c:auto val="1"/>
         <c:lblAlgn val="ctr"/>
@@ -715,7 +728,7 @@
         <c:noMultiLvlLbl val="0"/>
       </c:catAx>
       <c:valAx>
-        <c:axId val="37123136"/>
+        <c:axId val="134598592"/>
         <c:scaling>
           <c:orientation val="minMax"/>
         </c:scaling>
@@ -733,7 +746,15 @@
                 </a:pPr>
                 <a:r>
                   <a:rPr lang="ru-RU"/>
-                  <a:t>Время рендеринга в секундах</a:t>
+                  <a:t>Время взлета</a:t>
+                </a:r>
+                <a:r>
+                  <a:rPr lang="ru-RU" baseline="0"/>
+                  <a:t> ракеты в</a:t>
+                </a:r>
+                <a:r>
+                  <a:rPr lang="ru-RU"/>
+                  <a:t> секундах</a:t>
                 </a:r>
               </a:p>
             </c:rich>
@@ -745,7 +766,7 @@
         <c:majorTickMark val="out"/>
         <c:minorTickMark val="none"/>
         <c:tickLblPos val="nextTo"/>
-        <c:crossAx val="152175104"/>
+        <c:crossAx val="46384128"/>
         <c:crosses val="autoZero"/>
         <c:crossBetween val="between"/>
       </c:valAx>
@@ -946,7 +967,7 @@
           <a:p>
             <a:fld id="{CD1B7803-DEC7-4699-AD2A-E2E1FE287CC0}" type="datetimeFigureOut">
               <a:rPr lang="ru-RU" smtClean="0"/>
-              <a:t>14.12.2019</a:t>
+              <a:t>16.12.2019</a:t>
             </a:fld>
             <a:endParaRPr lang="ru-RU"/>
           </a:p>
@@ -1116,7 +1137,7 @@
           <a:p>
             <a:fld id="{CD1B7803-DEC7-4699-AD2A-E2E1FE287CC0}" type="datetimeFigureOut">
               <a:rPr lang="ru-RU" smtClean="0"/>
-              <a:t>14.12.2019</a:t>
+              <a:t>16.12.2019</a:t>
             </a:fld>
             <a:endParaRPr lang="ru-RU"/>
           </a:p>
@@ -1296,7 +1317,7 @@
           <a:p>
             <a:fld id="{CD1B7803-DEC7-4699-AD2A-E2E1FE287CC0}" type="datetimeFigureOut">
               <a:rPr lang="ru-RU" smtClean="0"/>
-              <a:t>14.12.2019</a:t>
+              <a:t>16.12.2019</a:t>
             </a:fld>
             <a:endParaRPr lang="ru-RU"/>
           </a:p>
@@ -1466,7 +1487,7 @@
           <a:p>
             <a:fld id="{CD1B7803-DEC7-4699-AD2A-E2E1FE287CC0}" type="datetimeFigureOut">
               <a:rPr lang="ru-RU" smtClean="0"/>
-              <a:t>14.12.2019</a:t>
+              <a:t>16.12.2019</a:t>
             </a:fld>
             <a:endParaRPr lang="ru-RU"/>
           </a:p>
@@ -1712,7 +1733,7 @@
           <a:p>
             <a:fld id="{CD1B7803-DEC7-4699-AD2A-E2E1FE287CC0}" type="datetimeFigureOut">
               <a:rPr lang="ru-RU" smtClean="0"/>
-              <a:t>14.12.2019</a:t>
+              <a:t>16.12.2019</a:t>
             </a:fld>
             <a:endParaRPr lang="ru-RU"/>
           </a:p>
@@ -2000,7 +2021,7 @@
           <a:p>
             <a:fld id="{CD1B7803-DEC7-4699-AD2A-E2E1FE287CC0}" type="datetimeFigureOut">
               <a:rPr lang="ru-RU" smtClean="0"/>
-              <a:t>14.12.2019</a:t>
+              <a:t>16.12.2019</a:t>
             </a:fld>
             <a:endParaRPr lang="ru-RU"/>
           </a:p>
@@ -2422,7 +2443,7 @@
           <a:p>
             <a:fld id="{CD1B7803-DEC7-4699-AD2A-E2E1FE287CC0}" type="datetimeFigureOut">
               <a:rPr lang="ru-RU" smtClean="0"/>
-              <a:t>14.12.2019</a:t>
+              <a:t>16.12.2019</a:t>
             </a:fld>
             <a:endParaRPr lang="ru-RU"/>
           </a:p>
@@ -2540,7 +2561,7 @@
           <a:p>
             <a:fld id="{CD1B7803-DEC7-4699-AD2A-E2E1FE287CC0}" type="datetimeFigureOut">
               <a:rPr lang="ru-RU" smtClean="0"/>
-              <a:t>14.12.2019</a:t>
+              <a:t>16.12.2019</a:t>
             </a:fld>
             <a:endParaRPr lang="ru-RU"/>
           </a:p>
@@ -2635,7 +2656,7 @@
           <a:p>
             <a:fld id="{CD1B7803-DEC7-4699-AD2A-E2E1FE287CC0}" type="datetimeFigureOut">
               <a:rPr lang="ru-RU" smtClean="0"/>
-              <a:t>14.12.2019</a:t>
+              <a:t>16.12.2019</a:t>
             </a:fld>
             <a:endParaRPr lang="ru-RU"/>
           </a:p>
@@ -2912,7 +2933,7 @@
           <a:p>
             <a:fld id="{CD1B7803-DEC7-4699-AD2A-E2E1FE287CC0}" type="datetimeFigureOut">
               <a:rPr lang="ru-RU" smtClean="0"/>
-              <a:t>14.12.2019</a:t>
+              <a:t>16.12.2019</a:t>
             </a:fld>
             <a:endParaRPr lang="ru-RU"/>
           </a:p>
@@ -3165,7 +3186,7 @@
           <a:p>
             <a:fld id="{CD1B7803-DEC7-4699-AD2A-E2E1FE287CC0}" type="datetimeFigureOut">
               <a:rPr lang="ru-RU" smtClean="0"/>
-              <a:t>14.12.2019</a:t>
+              <a:t>16.12.2019</a:t>
             </a:fld>
             <a:endParaRPr lang="ru-RU"/>
           </a:p>
@@ -3378,7 +3399,7 @@
           <a:p>
             <a:fld id="{CD1B7803-DEC7-4699-AD2A-E2E1FE287CC0}" type="datetimeFigureOut">
               <a:rPr lang="ru-RU" smtClean="0"/>
-              <a:t>14.12.2019</a:t>
+              <a:t>16.12.2019</a:t>
             </a:fld>
             <a:endParaRPr lang="ru-RU"/>
           </a:p>
@@ -3926,6 +3947,336 @@
 </p:sld>
 </file>
 
+<file path=ppt/slides/slide10.xml><?xml version="1.0" encoding="utf-8"?>
+<p:sld xmlns:a="http://schemas.openxmlformats.org/drawingml/2006/main" xmlns:r="http://schemas.openxmlformats.org/officeDocument/2006/relationships" xmlns:p="http://schemas.openxmlformats.org/presentationml/2006/main">
+  <p:cSld>
+    <p:spTree>
+      <p:nvGrpSpPr>
+        <p:cNvPr id="1" name=""/>
+        <p:cNvGrpSpPr/>
+        <p:nvPr/>
+      </p:nvGrpSpPr>
+      <p:grpSpPr>
+        <a:xfrm>
+          <a:off x="0" y="0"/>
+          <a:ext cx="0" cy="0"/>
+          <a:chOff x="0" y="0"/>
+          <a:chExt cx="0" cy="0"/>
+        </a:xfrm>
+      </p:grpSpPr>
+      <p:sp>
+        <p:nvSpPr>
+          <p:cNvPr id="2" name="Заголовок 1">
+            <a:extLst>
+              <a:ext uri="{FF2B5EF4-FFF2-40B4-BE49-F238E27FC236}">
+                <a16:creationId xmlns:a16="http://schemas.microsoft.com/office/drawing/2014/main" xmlns="" id="{985B9BD7-1FDD-4E86-AFB9-4B5CED8CE62E}"/>
+              </a:ext>
+            </a:extLst>
+          </p:cNvPr>
+          <p:cNvSpPr>
+            <a:spLocks noGrp="1"/>
+          </p:cNvSpPr>
+          <p:nvPr>
+            <p:ph type="title"/>
+          </p:nvPr>
+        </p:nvSpPr>
+        <p:spPr>
+          <a:xfrm>
+            <a:off x="3251250" y="358799"/>
+            <a:ext cx="5689503" cy="1144893"/>
+          </a:xfrm>
+        </p:spPr>
+        <p:txBody>
+          <a:bodyPr>
+            <a:noAutofit/>
+          </a:bodyPr>
+          <a:lstStyle/>
+          <a:p>
+            <a:pPr algn="ctr"/>
+            <a:r>
+              <a:rPr lang="ru-RU" sz="4800" dirty="0"/>
+              <a:t>Примеры работы</a:t>
+            </a:r>
+          </a:p>
+        </p:txBody>
+      </p:sp>
+      <p:pic>
+        <p:nvPicPr>
+          <p:cNvPr id="5123" name="Picture 3" descr="C:\Users\зейнал\Desktop\Курсач\Снимок3.PNG"/>
+          <p:cNvPicPr>
+            <a:picLocks noChangeAspect="1" noChangeArrowheads="1"/>
+          </p:cNvPicPr>
+          <p:nvPr/>
+        </p:nvPicPr>
+        <p:blipFill>
+          <a:blip r:embed="rId2">
+            <a:extLst>
+              <a:ext uri="{28A0092B-C50C-407E-A947-70E740481C1C}">
+                <a14:useLocalDpi xmlns:a14="http://schemas.microsoft.com/office/drawing/2010/main" val="0"/>
+              </a:ext>
+            </a:extLst>
+          </a:blip>
+          <a:srcRect/>
+          <a:stretch>
+            <a:fillRect/>
+          </a:stretch>
+        </p:blipFill>
+        <p:spPr bwMode="auto">
+          <a:xfrm>
+            <a:off x="463139" y="1457706"/>
+            <a:ext cx="6103916" cy="3790074"/>
+          </a:xfrm>
+          <a:prstGeom prst="rect">
+            <a:avLst/>
+          </a:prstGeom>
+          <a:noFill/>
+          <a:extLst>
+            <a:ext uri="{909E8E84-426E-40DD-AFC4-6F175D3DCCD1}">
+              <a14:hiddenFill xmlns:a14="http://schemas.microsoft.com/office/drawing/2010/main">
+                <a:solidFill>
+                  <a:srgbClr val="FFFFFF"/>
+                </a:solidFill>
+              </a14:hiddenFill>
+            </a:ext>
+          </a:extLst>
+        </p:spPr>
+      </p:pic>
+      <p:pic>
+        <p:nvPicPr>
+          <p:cNvPr id="5124" name="Picture 4" descr="C:\Users\зейнал\Desktop\Курсач\иниерфейс2.PNG"/>
+          <p:cNvPicPr>
+            <a:picLocks noChangeAspect="1" noChangeArrowheads="1"/>
+          </p:cNvPicPr>
+          <p:nvPr/>
+        </p:nvPicPr>
+        <p:blipFill>
+          <a:blip r:embed="rId3">
+            <a:extLst>
+              <a:ext uri="{28A0092B-C50C-407E-A947-70E740481C1C}">
+                <a14:useLocalDpi xmlns:a14="http://schemas.microsoft.com/office/drawing/2010/main" val="0"/>
+              </a:ext>
+            </a:extLst>
+          </a:blip>
+          <a:srcRect/>
+          <a:stretch>
+            <a:fillRect/>
+          </a:stretch>
+        </p:blipFill>
+        <p:spPr bwMode="auto">
+          <a:xfrm>
+            <a:off x="5262562" y="2345090"/>
+            <a:ext cx="6363380" cy="3946542"/>
+          </a:xfrm>
+          <a:prstGeom prst="rect">
+            <a:avLst/>
+          </a:prstGeom>
+          <a:noFill/>
+          <a:extLst>
+            <a:ext uri="{909E8E84-426E-40DD-AFC4-6F175D3DCCD1}">
+              <a14:hiddenFill xmlns:a14="http://schemas.microsoft.com/office/drawing/2010/main">
+                <a:solidFill>
+                  <a:srgbClr val="FFFFFF"/>
+                </a:solidFill>
+              </a14:hiddenFill>
+            </a:ext>
+          </a:extLst>
+        </p:spPr>
+      </p:pic>
+    </p:spTree>
+    <p:extLst>
+      <p:ext uri="{BB962C8B-B14F-4D97-AF65-F5344CB8AC3E}">
+        <p14:creationId xmlns:p14="http://schemas.microsoft.com/office/powerpoint/2010/main" val="2433322432"/>
+      </p:ext>
+    </p:extLst>
+  </p:cSld>
+  <p:clrMapOvr>
+    <a:masterClrMapping/>
+  </p:clrMapOvr>
+  <p:timing>
+    <p:tnLst>
+      <p:par>
+        <p:cTn id="1" dur="indefinite" restart="never" nodeType="tmRoot"/>
+      </p:par>
+    </p:tnLst>
+  </p:timing>
+</p:sld>
+</file>
+
+<file path=ppt/slides/slide11.xml><?xml version="1.0" encoding="utf-8"?>
+<p:sld xmlns:a="http://schemas.openxmlformats.org/drawingml/2006/main" xmlns:r="http://schemas.openxmlformats.org/officeDocument/2006/relationships" xmlns:p="http://schemas.openxmlformats.org/presentationml/2006/main">
+  <p:cSld>
+    <p:spTree>
+      <p:nvGrpSpPr>
+        <p:cNvPr id="1" name=""/>
+        <p:cNvGrpSpPr/>
+        <p:nvPr/>
+      </p:nvGrpSpPr>
+      <p:grpSpPr>
+        <a:xfrm>
+          <a:off x="0" y="0"/>
+          <a:ext cx="0" cy="0"/>
+          <a:chOff x="0" y="0"/>
+          <a:chExt cx="0" cy="0"/>
+        </a:xfrm>
+      </p:grpSpPr>
+      <p:sp>
+        <p:nvSpPr>
+          <p:cNvPr id="2" name="Заголовок 1">
+            <a:extLst>
+              <a:ext uri="{FF2B5EF4-FFF2-40B4-BE49-F238E27FC236}">
+                <a16:creationId xmlns:a16="http://schemas.microsoft.com/office/drawing/2014/main" xmlns="" id="{985B9BD7-1FDD-4E86-AFB9-4B5CED8CE62E}"/>
+              </a:ext>
+            </a:extLst>
+          </p:cNvPr>
+          <p:cNvSpPr>
+            <a:spLocks noGrp="1"/>
+          </p:cNvSpPr>
+          <p:nvPr>
+            <p:ph type="title"/>
+          </p:nvPr>
+        </p:nvSpPr>
+        <p:spPr>
+          <a:xfrm>
+            <a:off x="3251249" y="492295"/>
+            <a:ext cx="5689503" cy="1144893"/>
+          </a:xfrm>
+        </p:spPr>
+        <p:txBody>
+          <a:bodyPr>
+            <a:noAutofit/>
+          </a:bodyPr>
+          <a:lstStyle/>
+          <a:p>
+            <a:pPr algn="ctr"/>
+            <a:r>
+              <a:rPr lang="ru-RU" sz="4800" dirty="0"/>
+              <a:t>Заключение</a:t>
+            </a:r>
+          </a:p>
+        </p:txBody>
+      </p:sp>
+      <p:sp>
+        <p:nvSpPr>
+          <p:cNvPr id="3" name="TextBox 2">
+            <a:extLst>
+              <a:ext uri="{FF2B5EF4-FFF2-40B4-BE49-F238E27FC236}">
+                <a16:creationId xmlns:a16="http://schemas.microsoft.com/office/drawing/2014/main" xmlns="" id="{13EF5E31-3608-4D63-B7CE-0F45515B4C08}"/>
+              </a:ext>
+            </a:extLst>
+          </p:cNvPr>
+          <p:cNvSpPr txBox="1"/>
+          <p:nvPr/>
+        </p:nvSpPr>
+        <p:spPr>
+          <a:xfrm>
+            <a:off x="1663769" y="1693170"/>
+            <a:ext cx="8864459" cy="4678204"/>
+          </a:xfrm>
+          <a:prstGeom prst="rect">
+            <a:avLst/>
+          </a:prstGeom>
+          <a:noFill/>
+        </p:spPr>
+        <p:txBody>
+          <a:bodyPr wrap="square" rtlCol="0" anchor="ctr">
+            <a:spAutoFit/>
+          </a:bodyPr>
+          <a:lstStyle/>
+          <a:p>
+            <a:pPr marL="285750" indent="-285750">
+              <a:buFont typeface="Arial" panose="020B0604020202020204" pitchFamily="34" charset="0"/>
+              <a:buChar char="•"/>
+            </a:pPr>
+            <a:r>
+              <a:rPr lang="ru-RU" sz="2000" dirty="0"/>
+              <a:t>Был разработан программный продукт, позволяющий </a:t>
+            </a:r>
+            <a:r>
+              <a:rPr lang="ru-RU" sz="2000" dirty="0" smtClean="0"/>
+              <a:t>моделировать взлет космической ракеты.</a:t>
+            </a:r>
+            <a:endParaRPr lang="ru-RU" sz="2000" dirty="0"/>
+          </a:p>
+          <a:p>
+            <a:endParaRPr lang="ru-RU" sz="2000" dirty="0"/>
+          </a:p>
+          <a:p>
+            <a:pPr marL="342900" indent="-342900">
+              <a:buFont typeface="Arial" panose="020B0604020202020204" pitchFamily="34" charset="0"/>
+              <a:buChar char="•"/>
+            </a:pPr>
+            <a:r>
+              <a:rPr lang="ru-RU" sz="2000" dirty="0"/>
+              <a:t>Рассмотрены, проанализированы и реализованы основные алгоритмы построения реалистичного трехмерного изображения.</a:t>
+            </a:r>
+          </a:p>
+          <a:p>
+            <a:endParaRPr lang="ru-RU" sz="2000" dirty="0"/>
+          </a:p>
+          <a:p>
+            <a:pPr marL="285750" indent="-285750">
+              <a:buFont typeface="Arial" panose="020B0604020202020204" pitchFamily="34" charset="0"/>
+              <a:buChar char="•"/>
+            </a:pPr>
+            <a:r>
+              <a:rPr lang="ru-RU" sz="2000" dirty="0"/>
+              <a:t>Спроектирован пользовательский интерфейс, </a:t>
+            </a:r>
+            <a:r>
+              <a:rPr lang="ru-RU" sz="2000" dirty="0" smtClean="0"/>
+              <a:t>предоставляющий возможность менять положение ракеты в пространстве и вращать ее, менять положение источника освещения и его цвет, использовать тени, вращать сцену.</a:t>
+            </a:r>
+            <a:endParaRPr lang="ru-RU" sz="2000" dirty="0"/>
+          </a:p>
+          <a:p>
+            <a:endParaRPr lang="ru-RU" sz="2000" dirty="0"/>
+          </a:p>
+          <a:p>
+            <a:pPr marL="285750" indent="-285750">
+              <a:buFont typeface="Arial" panose="020B0604020202020204" pitchFamily="34" charset="0"/>
+              <a:buChar char="•"/>
+            </a:pPr>
+            <a:r>
+              <a:rPr lang="ru-RU" sz="2000" dirty="0"/>
+              <a:t>Проведены и проанализированы экспериментальные исследования временных характеристик разработанного программного продукта.</a:t>
+            </a:r>
+          </a:p>
+          <a:p>
+            <a:pPr algn="just"/>
+            <a:r>
+              <a:rPr lang="ru-RU" sz="2000" dirty="0"/>
+              <a:t>	</a:t>
+            </a:r>
+          </a:p>
+          <a:p>
+            <a:pPr marL="742950" lvl="1" indent="-285750">
+              <a:buFont typeface="Arial" panose="020B0604020202020204" pitchFamily="34" charset="0"/>
+              <a:buChar char="•"/>
+            </a:pPr>
+            <a:endParaRPr lang="ru-RU" dirty="0"/>
+          </a:p>
+        </p:txBody>
+      </p:sp>
+    </p:spTree>
+    <p:extLst>
+      <p:ext uri="{BB962C8B-B14F-4D97-AF65-F5344CB8AC3E}">
+        <p14:creationId xmlns:p14="http://schemas.microsoft.com/office/powerpoint/2010/main" val="2333651299"/>
+      </p:ext>
+    </p:extLst>
+  </p:cSld>
+  <p:clrMapOvr>
+    <a:masterClrMapping/>
+  </p:clrMapOvr>
+  <p:timing>
+    <p:tnLst>
+      <p:par>
+        <p:cTn id="1" dur="indefinite" restart="never" nodeType="tmRoot"/>
+      </p:par>
+    </p:tnLst>
+  </p:timing>
+</p:sld>
+</file>
+
 <file path=ppt/slides/slide2.xml><?xml version="1.0" encoding="utf-8"?>
 <p:sld xmlns:a="http://schemas.openxmlformats.org/drawingml/2006/main" xmlns:r="http://schemas.openxmlformats.org/officeDocument/2006/relationships" xmlns:p="http://schemas.openxmlformats.org/presentationml/2006/main">
   <p:cSld>
@@ -4013,11 +4364,7 @@
             </a:r>
             <a:r>
               <a:rPr lang="ru-RU" sz="2400" dirty="0"/>
-              <a:t> - </a:t>
-            </a:r>
-            <a:r>
-              <a:rPr lang="ru-RU" sz="2400" dirty="0"/>
-              <a:t>разработка программы, моделирующей в реальном времени взлет космической ракеты с </a:t>
+              <a:t> - разработка программы, моделирующей в реальном времени взлет космической ракеты с </a:t>
             </a:r>
             <a:r>
               <a:rPr lang="ru-RU" sz="2400" dirty="0" smtClean="0"/>
@@ -4041,7 +4388,15 @@
             </a:pPr>
             <a:r>
               <a:rPr lang="ru-RU" sz="2400" dirty="0"/>
-              <a:t>Изучение и анализ алгоритмов компьютерной графики, использующихся для создания реалистичной модели взаимно перекрывающихся объектов, и выбор наиболее подходящего для решения поставленной задачи</a:t>
+              <a:t>Изучение и анализ алгоритмов компьютерной графики, использующихся для создания реалистичной модели взаимно перекрывающихся </a:t>
+            </a:r>
+            <a:r>
+              <a:rPr lang="ru-RU" sz="2400" dirty="0" smtClean="0"/>
+              <a:t>объектов </a:t>
+            </a:r>
+            <a:r>
+              <a:rPr lang="ru-RU" sz="2400" dirty="0"/>
+              <a:t>и выбор наиболее подходящего для решения поставленной задачи</a:t>
             </a:r>
             <a:r>
               <a:rPr lang="ru-RU" sz="2400" dirty="0" smtClean="0"/>
@@ -4089,7 +4444,23 @@
             </a:pPr>
             <a:r>
               <a:rPr lang="ru-RU" sz="2400" dirty="0"/>
-              <a:t>Проведение исследования на основе разработанной программы</a:t>
+              <a:t>Проведение </a:t>
+            </a:r>
+            <a:r>
+              <a:rPr lang="ru-RU" sz="2400" dirty="0" smtClean="0"/>
+              <a:t>исследования</a:t>
+            </a:r>
+            <a:r>
+              <a:rPr lang="en-US" sz="2400" dirty="0" smtClean="0"/>
+              <a:t> </a:t>
+            </a:r>
+            <a:r>
+              <a:rPr lang="ru-RU" sz="2400" dirty="0" smtClean="0"/>
+              <a:t>временных характеристик </a:t>
+            </a:r>
+            <a:r>
+              <a:rPr lang="ru-RU" sz="2400" dirty="0"/>
+              <a:t>на основе разработанной программы</a:t>
             </a:r>
             <a:endParaRPr lang="ru-RU" sz="2400" dirty="0" smtClean="0"/>
           </a:p>
@@ -4116,6 +4487,1088 @@
 </file>
 
 <file path=ppt/slides/slide3.xml><?xml version="1.0" encoding="utf-8"?>
+<p:sld xmlns:a="http://schemas.openxmlformats.org/drawingml/2006/main" xmlns:r="http://schemas.openxmlformats.org/officeDocument/2006/relationships" xmlns:p="http://schemas.openxmlformats.org/presentationml/2006/main">
+  <p:cSld>
+    <p:spTree>
+      <p:nvGrpSpPr>
+        <p:cNvPr id="1" name=""/>
+        <p:cNvGrpSpPr/>
+        <p:nvPr/>
+      </p:nvGrpSpPr>
+      <p:grpSpPr>
+        <a:xfrm>
+          <a:off x="0" y="0"/>
+          <a:ext cx="0" cy="0"/>
+          <a:chOff x="0" y="0"/>
+          <a:chExt cx="0" cy="0"/>
+        </a:xfrm>
+      </p:grpSpPr>
+      <p:sp>
+        <p:nvSpPr>
+          <p:cNvPr id="2" name="Заголовок 1"/>
+          <p:cNvSpPr>
+            <a:spLocks noGrp="1"/>
+          </p:cNvSpPr>
+          <p:nvPr>
+            <p:ph type="title"/>
+          </p:nvPr>
+        </p:nvSpPr>
+        <p:spPr/>
+        <p:txBody>
+          <a:bodyPr/>
+          <a:lstStyle/>
+          <a:p>
+            <a:r>
+              <a:rPr lang="ru-RU" dirty="0" smtClean="0"/>
+              <a:t>Формализация объектов сцены</a:t>
+            </a:r>
+            <a:endParaRPr lang="ru-RU" dirty="0"/>
+          </a:p>
+        </p:txBody>
+      </p:sp>
+      <p:pic>
+        <p:nvPicPr>
+          <p:cNvPr id="3" name="Рисунок 2" descr="https://sun9-38.userapi.com/c204820/v204820452/d974/7br5QJsVph8.jpg"/>
+          <p:cNvPicPr/>
+          <p:nvPr/>
+        </p:nvPicPr>
+        <p:blipFill>
+          <a:blip r:embed="rId2" cstate="print">
+            <a:extLst>
+              <a:ext uri="{28A0092B-C50C-407E-A947-70E740481C1C}">
+                <a14:useLocalDpi xmlns:a14="http://schemas.microsoft.com/office/drawing/2010/main" val="0"/>
+              </a:ext>
+            </a:extLst>
+          </a:blip>
+          <a:srcRect/>
+          <a:stretch>
+            <a:fillRect/>
+          </a:stretch>
+        </p:blipFill>
+        <p:spPr bwMode="auto">
+          <a:xfrm>
+            <a:off x="2910100" y="3792933"/>
+            <a:ext cx="6120130" cy="2661285"/>
+          </a:xfrm>
+          <a:prstGeom prst="rect">
+            <a:avLst/>
+          </a:prstGeom>
+          <a:noFill/>
+          <a:ln>
+            <a:noFill/>
+          </a:ln>
+        </p:spPr>
+      </p:pic>
+      <p:sp>
+        <p:nvSpPr>
+          <p:cNvPr id="4" name="TextBox 3"/>
+          <p:cNvSpPr txBox="1"/>
+          <p:nvPr/>
+        </p:nvSpPr>
+        <p:spPr>
+          <a:xfrm>
+            <a:off x="3431097" y="1979802"/>
+            <a:ext cx="184731" cy="369332"/>
+          </a:xfrm>
+          <a:prstGeom prst="rect">
+            <a:avLst/>
+          </a:prstGeom>
+          <a:noFill/>
+        </p:spPr>
+        <p:txBody>
+          <a:bodyPr wrap="none" rtlCol="0">
+            <a:spAutoFit/>
+          </a:bodyPr>
+          <a:lstStyle/>
+          <a:p>
+            <a:endParaRPr lang="ru-RU" dirty="0"/>
+          </a:p>
+        </p:txBody>
+      </p:sp>
+      <p:sp>
+        <p:nvSpPr>
+          <p:cNvPr id="5" name="TextBox 4"/>
+          <p:cNvSpPr txBox="1"/>
+          <p:nvPr/>
+        </p:nvSpPr>
+        <p:spPr>
+          <a:xfrm>
+            <a:off x="721454" y="1434517"/>
+            <a:ext cx="10805020" cy="2831544"/>
+          </a:xfrm>
+          <a:prstGeom prst="rect">
+            <a:avLst/>
+          </a:prstGeom>
+          <a:noFill/>
+        </p:spPr>
+        <p:txBody>
+          <a:bodyPr wrap="square" rtlCol="0">
+            <a:spAutoFit/>
+          </a:bodyPr>
+          <a:lstStyle/>
+          <a:p>
+            <a:pPr algn="just"/>
+            <a:r>
+              <a:rPr lang="ru-RU" sz="2000" dirty="0" smtClean="0"/>
+              <a:t>Сцена состоит из ракеты и стартового стола, </a:t>
+            </a:r>
+            <a:r>
+              <a:rPr lang="ru-RU" sz="2000" dirty="0"/>
+              <a:t>а они представляются из конусов, цилиндров и усеченных </a:t>
+            </a:r>
+            <a:r>
+              <a:rPr lang="ru-RU" sz="2000" dirty="0" smtClean="0"/>
+              <a:t>конусов.</a:t>
+            </a:r>
+            <a:endParaRPr lang="ru-RU" sz="2000" dirty="0"/>
+          </a:p>
+          <a:p>
+            <a:pPr marL="285750" lvl="0" indent="-285750" algn="just">
+              <a:buFont typeface="Arial" panose="020B0604020202020204" pitchFamily="34" charset="0"/>
+              <a:buChar char="•"/>
+            </a:pPr>
+            <a:r>
+              <a:rPr lang="ru-RU" sz="2000" dirty="0"/>
+              <a:t>Конусы, цилиндры, усеченные конусы – полигональные объекты, в основе которых лежат правильные многоугольники, составленные из </a:t>
+            </a:r>
+            <a:r>
+              <a:rPr lang="ru-RU" sz="2000" dirty="0" smtClean="0"/>
+              <a:t>треугольников.</a:t>
+            </a:r>
+            <a:endParaRPr lang="ru-RU" sz="2000" dirty="0"/>
+          </a:p>
+          <a:p>
+            <a:pPr marL="285750" lvl="0" indent="-285750" algn="just">
+              <a:buFont typeface="Arial" panose="020B0604020202020204" pitchFamily="34" charset="0"/>
+              <a:buChar char="•"/>
+            </a:pPr>
+            <a:r>
+              <a:rPr lang="ru-RU" sz="2000" dirty="0"/>
+              <a:t>Космическая ракета, составленная из конусов, цилиндров и усеченных конусов.</a:t>
+            </a:r>
+          </a:p>
+          <a:p>
+            <a:pPr marL="285750" lvl="0" indent="-285750" algn="just">
+              <a:buFont typeface="Arial" panose="020B0604020202020204" pitchFamily="34" charset="0"/>
+              <a:buChar char="•"/>
+            </a:pPr>
+            <a:r>
+              <a:rPr lang="ru-RU" sz="2000" dirty="0"/>
+              <a:t>Стартовая площадка, составленная из цилиндра.</a:t>
+            </a:r>
+          </a:p>
+          <a:p>
+            <a:pPr marL="285750" lvl="0" indent="-285750" algn="just">
+              <a:buFont typeface="Arial" panose="020B0604020202020204" pitchFamily="34" charset="0"/>
+              <a:buChar char="•"/>
+            </a:pPr>
+            <a:r>
+              <a:rPr lang="ru-RU" sz="2000" dirty="0"/>
+              <a:t>Источник света - представляет собой материальную точку, из которой исходят лучи света во все стороны.</a:t>
+            </a:r>
+          </a:p>
+          <a:p>
+            <a:endParaRPr lang="ru-RU" dirty="0"/>
+          </a:p>
+        </p:txBody>
+      </p:sp>
+    </p:spTree>
+    <p:extLst>
+      <p:ext uri="{BB962C8B-B14F-4D97-AF65-F5344CB8AC3E}">
+        <p14:creationId xmlns:p14="http://schemas.microsoft.com/office/powerpoint/2010/main" val="1188783907"/>
+      </p:ext>
+    </p:extLst>
+  </p:cSld>
+  <p:clrMapOvr>
+    <a:masterClrMapping/>
+  </p:clrMapOvr>
+</p:sld>
+</file>
+
+<file path=ppt/slides/slide4.xml><?xml version="1.0" encoding="utf-8"?>
+<p:sld xmlns:a="http://schemas.openxmlformats.org/drawingml/2006/main" xmlns:r="http://schemas.openxmlformats.org/officeDocument/2006/relationships" xmlns:p="http://schemas.openxmlformats.org/presentationml/2006/main">
+  <p:cSld>
+    <p:spTree>
+      <p:nvGrpSpPr>
+        <p:cNvPr id="1" name=""/>
+        <p:cNvGrpSpPr/>
+        <p:nvPr/>
+      </p:nvGrpSpPr>
+      <p:grpSpPr>
+        <a:xfrm>
+          <a:off x="0" y="0"/>
+          <a:ext cx="0" cy="0"/>
+          <a:chOff x="0" y="0"/>
+          <a:chExt cx="0" cy="0"/>
+        </a:xfrm>
+      </p:grpSpPr>
+      <p:sp>
+        <p:nvSpPr>
+          <p:cNvPr id="2" name="Заголовок 1"/>
+          <p:cNvSpPr>
+            <a:spLocks noGrp="1"/>
+          </p:cNvSpPr>
+          <p:nvPr>
+            <p:ph type="title"/>
+          </p:nvPr>
+        </p:nvSpPr>
+        <p:spPr/>
+        <p:txBody>
+          <a:bodyPr/>
+          <a:lstStyle/>
+          <a:p>
+            <a:r>
+              <a:rPr lang="ru-RU" dirty="0" smtClean="0"/>
+              <a:t>Реализация огня</a:t>
+            </a:r>
+            <a:endParaRPr lang="ru-RU" dirty="0"/>
+          </a:p>
+        </p:txBody>
+      </p:sp>
+      <p:pic>
+        <p:nvPicPr>
+          <p:cNvPr id="3" name="Рисунок 2" descr="https://habrastorage.org/webt/zb/-j/42/zb-j42e-s0dm4uo-yhwazmuzbcy.png"/>
+          <p:cNvPicPr/>
+          <p:nvPr/>
+        </p:nvPicPr>
+        <p:blipFill>
+          <a:blip r:embed="rId2" cstate="print">
+            <a:extLst>
+              <a:ext uri="{28A0092B-C50C-407E-A947-70E740481C1C}">
+                <a14:useLocalDpi xmlns:a14="http://schemas.microsoft.com/office/drawing/2010/main" val="0"/>
+              </a:ext>
+            </a:extLst>
+          </a:blip>
+          <a:srcRect/>
+          <a:stretch>
+            <a:fillRect/>
+          </a:stretch>
+        </p:blipFill>
+        <p:spPr bwMode="auto">
+          <a:xfrm>
+            <a:off x="2965063" y="1833458"/>
+            <a:ext cx="6120130" cy="144780"/>
+          </a:xfrm>
+          <a:prstGeom prst="rect">
+            <a:avLst/>
+          </a:prstGeom>
+          <a:noFill/>
+          <a:ln>
+            <a:noFill/>
+          </a:ln>
+        </p:spPr>
+      </p:pic>
+      <p:pic>
+        <p:nvPicPr>
+          <p:cNvPr id="4" name="Рисунок 3"/>
+          <p:cNvPicPr/>
+          <p:nvPr/>
+        </p:nvPicPr>
+        <p:blipFill>
+          <a:blip r:embed="rId3" cstate="print">
+            <a:extLst>
+              <a:ext uri="{28A0092B-C50C-407E-A947-70E740481C1C}">
+                <a14:useLocalDpi xmlns:a14="http://schemas.microsoft.com/office/drawing/2010/main" val="0"/>
+              </a:ext>
+            </a:extLst>
+          </a:blip>
+          <a:srcRect/>
+          <a:stretch>
+            <a:fillRect/>
+          </a:stretch>
+        </p:blipFill>
+        <p:spPr bwMode="auto">
+          <a:xfrm>
+            <a:off x="3046095" y="3971218"/>
+            <a:ext cx="6099810" cy="859790"/>
+          </a:xfrm>
+          <a:prstGeom prst="rect">
+            <a:avLst/>
+          </a:prstGeom>
+          <a:noFill/>
+          <a:ln>
+            <a:noFill/>
+          </a:ln>
+        </p:spPr>
+      </p:pic>
+      <p:sp>
+        <p:nvSpPr>
+          <p:cNvPr id="5" name="TextBox 4"/>
+          <p:cNvSpPr txBox="1"/>
+          <p:nvPr/>
+        </p:nvSpPr>
+        <p:spPr>
+          <a:xfrm>
+            <a:off x="812800" y="1221557"/>
+            <a:ext cx="7985328" cy="369332"/>
+          </a:xfrm>
+          <a:prstGeom prst="rect">
+            <a:avLst/>
+          </a:prstGeom>
+          <a:noFill/>
+        </p:spPr>
+        <p:txBody>
+          <a:bodyPr wrap="none" rtlCol="0">
+            <a:spAutoFit/>
+          </a:bodyPr>
+          <a:lstStyle/>
+          <a:p>
+            <a:r>
+              <a:rPr lang="ru-RU" dirty="0"/>
+              <a:t>В основе </a:t>
+            </a:r>
+            <a:r>
+              <a:rPr lang="ru-RU" dirty="0" smtClean="0"/>
+              <a:t>алгоритма </a:t>
+            </a:r>
+            <a:r>
+              <a:rPr lang="ru-RU" dirty="0"/>
+              <a:t>используется карта цветовых </a:t>
+            </a:r>
+            <a:r>
+              <a:rPr lang="ru-RU" dirty="0" smtClean="0"/>
+              <a:t>высот</a:t>
+            </a:r>
+            <a:r>
+              <a:rPr lang="en-US" dirty="0" smtClean="0"/>
+              <a:t>, </a:t>
+            </a:r>
+            <a:r>
+              <a:rPr lang="ru-RU" dirty="0" smtClean="0"/>
+              <a:t>представленная ниже. </a:t>
+            </a:r>
+            <a:endParaRPr lang="ru-RU" dirty="0"/>
+          </a:p>
+        </p:txBody>
+      </p:sp>
+      <p:sp>
+        <p:nvSpPr>
+          <p:cNvPr id="6" name="TextBox 5"/>
+          <p:cNvSpPr txBox="1"/>
+          <p:nvPr/>
+        </p:nvSpPr>
+        <p:spPr>
+          <a:xfrm>
+            <a:off x="812800" y="2123071"/>
+            <a:ext cx="11014362" cy="1631216"/>
+          </a:xfrm>
+          <a:prstGeom prst="rect">
+            <a:avLst/>
+          </a:prstGeom>
+          <a:noFill/>
+        </p:spPr>
+        <p:txBody>
+          <a:bodyPr wrap="none" rtlCol="0">
+            <a:spAutoFit/>
+          </a:bodyPr>
+          <a:lstStyle/>
+          <a:p>
+            <a:pPr algn="just"/>
+            <a:r>
+              <a:rPr lang="ru-RU" sz="2000" dirty="0" smtClean="0"/>
+              <a:t>Заполнение дополнительного буфера осуществляется следующим образом:</a:t>
+            </a:r>
+          </a:p>
+          <a:p>
+            <a:pPr marL="342900" indent="-342900" algn="just">
+              <a:buFont typeface="+mj-lt"/>
+              <a:buAutoNum type="arabicPeriod"/>
+            </a:pPr>
+            <a:r>
+              <a:rPr lang="ru-RU" sz="2000" dirty="0" smtClean="0"/>
+              <a:t>Заполнить буфер черным цветом.</a:t>
+            </a:r>
+          </a:p>
+          <a:p>
+            <a:pPr marL="342900" indent="-342900" algn="just">
+              <a:buFont typeface="+mj-lt"/>
+              <a:buAutoNum type="arabicPeriod"/>
+            </a:pPr>
+            <a:r>
+              <a:rPr lang="ru-RU" sz="2000" dirty="0" smtClean="0"/>
+              <a:t>Заполнить инициализирующую строку белым цветом (самый горячий участок огня).</a:t>
+            </a:r>
+          </a:p>
+          <a:p>
+            <a:pPr marL="342900" indent="-342900" algn="just">
+              <a:buFont typeface="+mj-lt"/>
+              <a:buAutoNum type="arabicPeriod"/>
+            </a:pPr>
+            <a:r>
+              <a:rPr lang="ru-RU" sz="2000" dirty="0" smtClean="0"/>
+              <a:t>На каждом обновлении окна вычислить новое значение, результат которого зависит от пикселя</a:t>
+            </a:r>
+            <a:r>
+              <a:rPr lang="ru-RU" sz="2000" dirty="0"/>
+              <a:t/>
+            </a:r>
+            <a:br>
+              <a:rPr lang="ru-RU" sz="2000" dirty="0"/>
+            </a:br>
+            <a:r>
+              <a:rPr lang="ru-RU" sz="2000" dirty="0" smtClean="0"/>
+              <a:t>расположенного над ним. </a:t>
+            </a:r>
+          </a:p>
+        </p:txBody>
+      </p:sp>
+      <p:sp>
+        <p:nvSpPr>
+          <p:cNvPr id="8" name="TextBox 7"/>
+          <p:cNvSpPr txBox="1"/>
+          <p:nvPr/>
+        </p:nvSpPr>
+        <p:spPr>
+          <a:xfrm>
+            <a:off x="930566" y="5506534"/>
+            <a:ext cx="9372601" cy="369332"/>
+          </a:xfrm>
+          <a:prstGeom prst="rect">
+            <a:avLst/>
+          </a:prstGeom>
+          <a:noFill/>
+        </p:spPr>
+        <p:txBody>
+          <a:bodyPr wrap="square" rtlCol="0">
+            <a:spAutoFit/>
+          </a:bodyPr>
+          <a:lstStyle/>
+          <a:p>
+            <a:pPr algn="ctr"/>
+            <a:r>
+              <a:rPr lang="ru-RU" dirty="0" smtClean="0"/>
+              <a:t>Вычисление нового значения происходит с помощью выбора случайных чисел</a:t>
+            </a:r>
+          </a:p>
+        </p:txBody>
+      </p:sp>
+    </p:spTree>
+    <p:extLst>
+      <p:ext uri="{BB962C8B-B14F-4D97-AF65-F5344CB8AC3E}">
+        <p14:creationId xmlns:p14="http://schemas.microsoft.com/office/powerpoint/2010/main" val="1746915788"/>
+      </p:ext>
+    </p:extLst>
+  </p:cSld>
+  <p:clrMapOvr>
+    <a:masterClrMapping/>
+  </p:clrMapOvr>
+</p:sld>
+</file>
+
+<file path=ppt/slides/slide5.xml><?xml version="1.0" encoding="utf-8"?>
+<p:sld xmlns:a="http://schemas.openxmlformats.org/drawingml/2006/main" xmlns:r="http://schemas.openxmlformats.org/officeDocument/2006/relationships" xmlns:p="http://schemas.openxmlformats.org/presentationml/2006/main">
+  <p:cSld>
+    <p:spTree>
+      <p:nvGrpSpPr>
+        <p:cNvPr id="1" name=""/>
+        <p:cNvGrpSpPr/>
+        <p:nvPr/>
+      </p:nvGrpSpPr>
+      <p:grpSpPr>
+        <a:xfrm>
+          <a:off x="0" y="0"/>
+          <a:ext cx="0" cy="0"/>
+          <a:chOff x="0" y="0"/>
+          <a:chExt cx="0" cy="0"/>
+        </a:xfrm>
+      </p:grpSpPr>
+      <p:sp>
+        <p:nvSpPr>
+          <p:cNvPr id="2" name="Заголовок 1"/>
+          <p:cNvSpPr>
+            <a:spLocks noGrp="1"/>
+          </p:cNvSpPr>
+          <p:nvPr>
+            <p:ph type="title"/>
+          </p:nvPr>
+        </p:nvSpPr>
+        <p:spPr/>
+        <p:txBody>
+          <a:bodyPr/>
+          <a:lstStyle/>
+          <a:p>
+            <a:r>
+              <a:rPr lang="ru-RU" dirty="0" smtClean="0"/>
+              <a:t>Построение теней</a:t>
+            </a:r>
+            <a:endParaRPr lang="ru-RU" dirty="0"/>
+          </a:p>
+        </p:txBody>
+      </p:sp>
+      <p:sp>
+        <p:nvSpPr>
+          <p:cNvPr id="3" name="TextBox 2"/>
+          <p:cNvSpPr txBox="1"/>
+          <p:nvPr/>
+        </p:nvSpPr>
+        <p:spPr>
+          <a:xfrm>
+            <a:off x="1041400" y="1346200"/>
+            <a:ext cx="9808967" cy="646331"/>
+          </a:xfrm>
+          <a:prstGeom prst="rect">
+            <a:avLst/>
+          </a:prstGeom>
+          <a:noFill/>
+        </p:spPr>
+        <p:txBody>
+          <a:bodyPr wrap="none" rtlCol="0">
+            <a:spAutoFit/>
+          </a:bodyPr>
+          <a:lstStyle/>
+          <a:p>
+            <a:r>
+              <a:rPr lang="ru-RU" dirty="0" smtClean="0"/>
+              <a:t>Для построения теней используется дополнительный буфер глубин, заполненный в пространстве</a:t>
+            </a:r>
+            <a:br>
+              <a:rPr lang="ru-RU" dirty="0" smtClean="0"/>
+            </a:br>
+            <a:r>
+              <a:rPr lang="ru-RU" dirty="0" smtClean="0"/>
+              <a:t>источника света:</a:t>
+            </a:r>
+            <a:endParaRPr lang="ru-RU" dirty="0"/>
+          </a:p>
+        </p:txBody>
+      </p:sp>
+      <p:pic>
+        <p:nvPicPr>
+          <p:cNvPr id="1026" name="Picture 2"/>
+          <p:cNvPicPr>
+            <a:picLocks noChangeAspect="1" noChangeArrowheads="1"/>
+          </p:cNvPicPr>
+          <p:nvPr/>
+        </p:nvPicPr>
+        <p:blipFill>
+          <a:blip r:embed="rId2" cstate="print">
+            <a:extLst>
+              <a:ext uri="{28A0092B-C50C-407E-A947-70E740481C1C}">
+                <a14:useLocalDpi xmlns:a14="http://schemas.microsoft.com/office/drawing/2010/main" val="0"/>
+              </a:ext>
+            </a:extLst>
+          </a:blip>
+          <a:srcRect/>
+          <a:stretch>
+            <a:fillRect/>
+          </a:stretch>
+        </p:blipFill>
+        <p:spPr bwMode="auto">
+          <a:xfrm>
+            <a:off x="3894139" y="1715533"/>
+            <a:ext cx="3184159" cy="2664860"/>
+          </a:xfrm>
+          <a:prstGeom prst="rect">
+            <a:avLst/>
+          </a:prstGeom>
+          <a:noFill/>
+          <a:ln>
+            <a:noFill/>
+          </a:ln>
+          <a:effectLst/>
+          <a:extLst>
+            <a:ext uri="{909E8E84-426E-40DD-AFC4-6F175D3DCCD1}">
+              <a14:hiddenFill xmlns:a14="http://schemas.microsoft.com/office/drawing/2010/main">
+                <a:solidFill>
+                  <a:schemeClr val="accent1"/>
+                </a:solidFill>
+              </a14:hiddenFill>
+            </a:ext>
+            <a:ext uri="{91240B29-F687-4F45-9708-019B960494DF}">
+              <a14:hiddenLine xmlns:a14="http://schemas.microsoft.com/office/drawing/2010/main" w="9525">
+                <a:solidFill>
+                  <a:schemeClr val="tx1"/>
+                </a:solidFill>
+                <a:miter lim="800000"/>
+                <a:headEnd/>
+                <a:tailEnd/>
+              </a14:hiddenLine>
+            </a:ext>
+            <a:ext uri="{AF507438-7753-43E0-B8FC-AC1667EBCBE1}">
+              <a14:hiddenEffects xmlns:a14="http://schemas.microsoft.com/office/drawing/2010/main">
+                <a:effectLst>
+                  <a:outerShdw dist="35921" dir="2700000" algn="ctr" rotWithShape="0">
+                    <a:schemeClr val="bg2"/>
+                  </a:outerShdw>
+                </a:effectLst>
+              </a14:hiddenEffects>
+            </a:ext>
+          </a:extLst>
+        </p:spPr>
+      </p:pic>
+      <mc:AlternateContent xmlns:mc="http://schemas.openxmlformats.org/markup-compatibility/2006">
+        <mc:Choice xmlns:a14="http://schemas.microsoft.com/office/drawing/2010/main" Requires="a14">
+          <p:sp>
+            <p:nvSpPr>
+              <p:cNvPr id="4" name="TextBox 3"/>
+              <p:cNvSpPr txBox="1"/>
+              <p:nvPr/>
+            </p:nvSpPr>
+            <p:spPr>
+              <a:xfrm>
+                <a:off x="822034" y="4562924"/>
+                <a:ext cx="6256264" cy="2108526"/>
+              </a:xfrm>
+              <a:prstGeom prst="rect">
+                <a:avLst/>
+              </a:prstGeom>
+              <a:noFill/>
+            </p:spPr>
+            <p:txBody>
+              <a:bodyPr wrap="none" rtlCol="0">
+                <a:spAutoFit/>
+              </a:bodyPr>
+              <a:lstStyle/>
+              <a:p>
+                <a:r>
+                  <a:rPr lang="ru-RU" dirty="0" smtClean="0"/>
+                  <a:t>Вычисление глубины происходит следующим образом.</a:t>
+                </a:r>
+                <a:br>
+                  <a:rPr lang="ru-RU" dirty="0" smtClean="0"/>
+                </a:br>
+                <a:r>
+                  <a:rPr lang="ru-RU" dirty="0" smtClean="0"/>
+                  <a:t>Уравнение плоскости имеет вид:</a:t>
+                </a:r>
+              </a:p>
+              <a:p>
+                <a14:m>
+                  <m:oMathPara xmlns:m="http://schemas.openxmlformats.org/officeDocument/2006/math">
+                    <m:oMathParaPr>
+                      <m:jc m:val="centerGroup"/>
+                    </m:oMathParaPr>
+                    <m:oMath xmlns:m="http://schemas.openxmlformats.org/officeDocument/2006/math">
+                      <m:r>
+                        <a:rPr lang="en-US" b="0" i="1" smtClean="0">
+                          <a:latin typeface="Cambria Math"/>
+                        </a:rPr>
+                        <m:t>𝑎𝑥</m:t>
+                      </m:r>
+                      <m:r>
+                        <a:rPr lang="en-US" b="0" i="1" smtClean="0">
+                          <a:latin typeface="Cambria Math"/>
+                        </a:rPr>
+                        <m:t>+</m:t>
+                      </m:r>
+                      <m:r>
+                        <a:rPr lang="en-US" b="0" i="1" smtClean="0">
+                          <a:latin typeface="Cambria Math"/>
+                        </a:rPr>
+                        <m:t>𝑏𝑦</m:t>
+                      </m:r>
+                      <m:r>
+                        <a:rPr lang="en-US" b="0" i="1" smtClean="0">
+                          <a:latin typeface="Cambria Math"/>
+                        </a:rPr>
+                        <m:t>+</m:t>
+                      </m:r>
+                      <m:r>
+                        <a:rPr lang="en-US" b="0" i="1" smtClean="0">
+                          <a:latin typeface="Cambria Math"/>
+                        </a:rPr>
+                        <m:t>𝑐𝑧</m:t>
+                      </m:r>
+                      <m:r>
+                        <a:rPr lang="en-US" b="0" i="1" smtClean="0">
+                          <a:latin typeface="Cambria Math"/>
+                        </a:rPr>
+                        <m:t>+</m:t>
+                      </m:r>
+                      <m:r>
+                        <a:rPr lang="en-US" b="0" i="1" smtClean="0">
+                          <a:latin typeface="Cambria Math"/>
+                        </a:rPr>
+                        <m:t>𝑑</m:t>
+                      </m:r>
+                      <m:r>
+                        <a:rPr lang="en-US" b="0" i="1" smtClean="0">
+                          <a:latin typeface="Cambria Math"/>
+                        </a:rPr>
+                        <m:t>=0</m:t>
+                      </m:r>
+                    </m:oMath>
+                    <m:oMath xmlns:m="http://schemas.openxmlformats.org/officeDocument/2006/math">
+                      <m:r>
+                        <a:rPr lang="en-US" b="0" i="1" smtClean="0">
+                          <a:latin typeface="Cambria Math"/>
+                        </a:rPr>
+                        <m:t>𝑧</m:t>
+                      </m:r>
+                      <m:r>
+                        <a:rPr lang="en-US" b="0" i="1" smtClean="0">
+                          <a:latin typeface="Cambria Math"/>
+                        </a:rPr>
+                        <m:t>=−</m:t>
+                      </m:r>
+                      <m:f>
+                        <m:fPr>
+                          <m:ctrlPr>
+                            <a:rPr lang="en-US" b="0" i="1" smtClean="0">
+                              <a:latin typeface="Cambria Math"/>
+                            </a:rPr>
+                          </m:ctrlPr>
+                        </m:fPr>
+                        <m:num>
+                          <m:d>
+                            <m:dPr>
+                              <m:ctrlPr>
+                                <a:rPr lang="en-US" b="0" i="1" smtClean="0">
+                                  <a:latin typeface="Cambria Math"/>
+                                </a:rPr>
+                              </m:ctrlPr>
+                            </m:dPr>
+                            <m:e>
+                              <m:r>
+                                <a:rPr lang="en-US" b="0" i="1" smtClean="0">
+                                  <a:latin typeface="Cambria Math"/>
+                                </a:rPr>
+                                <m:t>𝑎𝑥</m:t>
+                              </m:r>
+                              <m:r>
+                                <a:rPr lang="en-US" b="0" i="1" smtClean="0">
+                                  <a:latin typeface="Cambria Math"/>
+                                </a:rPr>
+                                <m:t>+</m:t>
+                              </m:r>
+                              <m:r>
+                                <a:rPr lang="en-US" b="0" i="1" smtClean="0">
+                                  <a:latin typeface="Cambria Math"/>
+                                </a:rPr>
+                                <m:t>𝑏𝑦</m:t>
+                              </m:r>
+                              <m:r>
+                                <a:rPr lang="en-US" b="0" i="1" smtClean="0">
+                                  <a:latin typeface="Cambria Math"/>
+                                </a:rPr>
+                                <m:t>+</m:t>
+                              </m:r>
+                              <m:r>
+                                <a:rPr lang="en-US" b="0" i="1" smtClean="0">
+                                  <a:latin typeface="Cambria Math"/>
+                                </a:rPr>
+                                <m:t>𝑑</m:t>
+                              </m:r>
+                            </m:e>
+                          </m:d>
+                        </m:num>
+                        <m:den>
+                          <m:r>
+                            <a:rPr lang="en-US" b="0" i="1" smtClean="0">
+                              <a:latin typeface="Cambria Math"/>
+                            </a:rPr>
+                            <m:t>𝑐</m:t>
+                          </m:r>
+                        </m:den>
+                      </m:f>
+                      <m:r>
+                        <a:rPr lang="en-US" b="0" i="1" smtClean="0">
+                          <a:latin typeface="Cambria Math"/>
+                        </a:rPr>
+                        <m:t> </m:t>
+                      </m:r>
+                      <m:r>
+                        <a:rPr lang="en-US" b="0" i="1" smtClean="0">
+                          <a:latin typeface="Cambria Math"/>
+                          <a:ea typeface="Cambria Math"/>
+                        </a:rPr>
+                        <m:t>≠</m:t>
+                      </m:r>
+                      <m:r>
+                        <a:rPr lang="en-US" b="0" i="1" smtClean="0">
+                          <a:latin typeface="Cambria Math"/>
+                        </a:rPr>
+                        <m:t>0  </m:t>
+                      </m:r>
+                    </m:oMath>
+                  </m:oMathPara>
+                </a14:m>
+                <a:endParaRPr lang="en-US" dirty="0" smtClean="0"/>
+              </a:p>
+              <a:p>
+                <a:r>
+                  <a:rPr lang="ru-RU" dirty="0" smtClean="0"/>
+                  <a:t>Для сканирующей строки глубина при </a:t>
+                </a:r>
+                <a:r>
+                  <a:rPr lang="en-US" dirty="0" smtClean="0"/>
+                  <a:t>y = </a:t>
+                </a:r>
+                <a:r>
+                  <a:rPr lang="en-US" dirty="0" err="1" smtClean="0"/>
+                  <a:t>const</a:t>
+                </a:r>
+                <a:r>
+                  <a:rPr lang="en-US" dirty="0" smtClean="0"/>
+                  <a:t>, a </a:t>
+                </a:r>
+                <a14:m>
+                  <m:oMath xmlns:m="http://schemas.openxmlformats.org/officeDocument/2006/math">
+                    <m:sSub>
+                      <m:sSubPr>
+                        <m:ctrlPr>
+                          <a:rPr lang="en-US" b="0" i="1" smtClean="0">
+                            <a:latin typeface="Cambria Math"/>
+                          </a:rPr>
+                        </m:ctrlPr>
+                      </m:sSubPr>
+                      <m:e>
+                        <m:r>
+                          <a:rPr lang="en-US" b="0" i="1" smtClean="0">
+                            <a:latin typeface="Cambria Math"/>
+                          </a:rPr>
+                          <m:t>𝑥</m:t>
+                        </m:r>
+                      </m:e>
+                      <m:sub>
+                        <m:r>
+                          <a:rPr lang="en-US" b="0" i="1" smtClean="0">
+                            <a:latin typeface="Cambria Math"/>
+                          </a:rPr>
+                          <m:t>1</m:t>
+                        </m:r>
+                      </m:sub>
+                    </m:sSub>
+                    <m:r>
+                      <a:rPr lang="en-US" b="0" i="1" smtClean="0">
+                        <a:latin typeface="Cambria Math"/>
+                      </a:rPr>
+                      <m:t>=</m:t>
+                    </m:r>
+                    <m:r>
+                      <a:rPr lang="en-US" b="0" i="1" smtClean="0">
+                        <a:latin typeface="Cambria Math"/>
+                      </a:rPr>
+                      <m:t>𝑥</m:t>
+                    </m:r>
+                    <m:r>
+                      <a:rPr lang="en-US" b="0" i="1" smtClean="0">
+                        <a:latin typeface="Cambria Math"/>
+                      </a:rPr>
+                      <m:t>+</m:t>
+                    </m:r>
+                    <m:r>
+                      <m:rPr>
+                        <m:nor/>
+                      </m:rPr>
+                      <a:rPr lang="el-GR"/>
+                      <m:t>Δ</m:t>
+                    </m:r>
+                    <m:r>
+                      <m:rPr>
+                        <m:nor/>
+                      </m:rPr>
+                      <a:rPr lang="en-US" b="0" i="0" smtClean="0"/>
+                      <m:t>x</m:t>
+                    </m:r>
+                  </m:oMath>
+                </a14:m>
+                <a:r>
+                  <a:rPr lang="en-US" dirty="0" smtClean="0"/>
+                  <a:t/>
+                </a:r>
+                <a:br>
+                  <a:rPr lang="en-US" dirty="0" smtClean="0"/>
+                </a:br>
+                <a:r>
+                  <a:rPr lang="ru-RU" dirty="0" smtClean="0"/>
+                  <a:t>равна </a:t>
+                </a:r>
+                <a14:m>
+                  <m:oMath xmlns:m="http://schemas.openxmlformats.org/officeDocument/2006/math">
+                    <m:sSub>
+                      <m:sSubPr>
+                        <m:ctrlPr>
+                          <a:rPr lang="en-US" b="0" i="1" smtClean="0">
+                            <a:latin typeface="Cambria Math"/>
+                          </a:rPr>
+                        </m:ctrlPr>
+                      </m:sSubPr>
+                      <m:e>
+                        <m:r>
+                          <a:rPr lang="en-US" b="0" i="1" smtClean="0">
+                            <a:latin typeface="Cambria Math"/>
+                          </a:rPr>
+                          <m:t>𝑧</m:t>
+                        </m:r>
+                      </m:e>
+                      <m:sub>
+                        <m:r>
+                          <a:rPr lang="en-US" b="0" i="1" smtClean="0">
+                            <a:latin typeface="Cambria Math"/>
+                          </a:rPr>
+                          <m:t>1</m:t>
+                        </m:r>
+                      </m:sub>
+                    </m:sSub>
+                    <m:r>
+                      <a:rPr lang="en-US" b="0" i="1" smtClean="0">
+                        <a:latin typeface="Cambria Math"/>
+                      </a:rPr>
+                      <m:t>=</m:t>
+                    </m:r>
+                    <m:r>
+                      <a:rPr lang="en-US" b="0" i="1" smtClean="0">
+                        <a:latin typeface="Cambria Math"/>
+                      </a:rPr>
+                      <m:t>𝑧</m:t>
+                    </m:r>
+                    <m:r>
+                      <a:rPr lang="en-US" b="0" i="1" smtClean="0">
+                        <a:latin typeface="Cambria Math"/>
+                      </a:rPr>
+                      <m:t> −</m:t>
+                    </m:r>
+                    <m:f>
+                      <m:fPr>
+                        <m:ctrlPr>
+                          <a:rPr lang="en-US" b="0" i="1" smtClean="0">
+                            <a:latin typeface="Cambria Math"/>
+                          </a:rPr>
+                        </m:ctrlPr>
+                      </m:fPr>
+                      <m:num>
+                        <m:r>
+                          <a:rPr lang="en-US" b="0" i="1" smtClean="0">
+                            <a:latin typeface="Cambria Math"/>
+                          </a:rPr>
+                          <m:t>𝑎</m:t>
+                        </m:r>
+                      </m:num>
+                      <m:den>
+                        <m:r>
+                          <a:rPr lang="en-US" b="0" i="1" smtClean="0">
+                            <a:latin typeface="Cambria Math"/>
+                          </a:rPr>
+                          <m:t>𝑐</m:t>
+                        </m:r>
+                      </m:den>
+                    </m:f>
+                    <m:r>
+                      <m:rPr>
+                        <m:nor/>
+                      </m:rPr>
+                      <a:rPr lang="el-GR"/>
+                      <m:t>Δ</m:t>
+                    </m:r>
+                    <m:r>
+                      <m:rPr>
+                        <m:nor/>
+                      </m:rPr>
+                      <a:rPr lang="en-US" b="0" i="0" smtClean="0"/>
+                      <m:t>x</m:t>
+                    </m:r>
+                  </m:oMath>
+                </a14:m>
+                <a:endParaRPr lang="ru-RU" dirty="0"/>
+              </a:p>
+            </p:txBody>
+          </p:sp>
+        </mc:Choice>
+        <mc:Fallback>
+          <p:sp>
+            <p:nvSpPr>
+              <p:cNvPr id="4" name="TextBox 3"/>
+              <p:cNvSpPr txBox="1">
+                <a:spLocks noRot="1" noChangeAspect="1" noMove="1" noResize="1" noEditPoints="1" noAdjustHandles="1" noChangeArrowheads="1" noChangeShapeType="1" noTextEdit="1"/>
+              </p:cNvSpPr>
+              <p:nvPr/>
+            </p:nvSpPr>
+            <p:spPr>
+              <a:xfrm>
+                <a:off x="822034" y="4562924"/>
+                <a:ext cx="6256264" cy="2108526"/>
+              </a:xfrm>
+              <a:prstGeom prst="rect">
+                <a:avLst/>
+              </a:prstGeom>
+              <a:blipFill rotWithShape="1">
+                <a:blip r:embed="rId3"/>
+                <a:stretch>
+                  <a:fillRect l="-877" t="-1449" b="-1159"/>
+                </a:stretch>
+              </a:blipFill>
+            </p:spPr>
+            <p:txBody>
+              <a:bodyPr/>
+              <a:lstStyle/>
+              <a:p>
+                <a:r>
+                  <a:rPr lang="ru-RU">
+                    <a:noFill/>
+                  </a:rPr>
+                  <a:t> </a:t>
+                </a:r>
+              </a:p>
+            </p:txBody>
+          </p:sp>
+        </mc:Fallback>
+      </mc:AlternateContent>
+      <p:sp>
+        <p:nvSpPr>
+          <p:cNvPr id="5" name="TextBox 4"/>
+          <p:cNvSpPr txBox="1"/>
+          <p:nvPr/>
+        </p:nvSpPr>
+        <p:spPr>
+          <a:xfrm>
+            <a:off x="7171267" y="2343835"/>
+            <a:ext cx="4994894" cy="1200329"/>
+          </a:xfrm>
+          <a:prstGeom prst="rect">
+            <a:avLst/>
+          </a:prstGeom>
+          <a:noFill/>
+        </p:spPr>
+        <p:txBody>
+          <a:bodyPr wrap="none" rtlCol="0">
+            <a:spAutoFit/>
+          </a:bodyPr>
+          <a:lstStyle/>
+          <a:p>
+            <a:r>
+              <a:rPr lang="ru-RU" dirty="0" smtClean="0"/>
+              <a:t>Глубина(С) – глубина в пространстве источника</a:t>
+            </a:r>
+            <a:br>
+              <a:rPr lang="ru-RU" dirty="0" smtClean="0"/>
+            </a:br>
+            <a:r>
+              <a:rPr lang="ru-RU" dirty="0" smtClean="0"/>
+              <a:t>света.</a:t>
+            </a:r>
+            <a:br>
+              <a:rPr lang="ru-RU" dirty="0" smtClean="0"/>
+            </a:br>
+            <a:r>
+              <a:rPr lang="ru-RU" dirty="0" smtClean="0"/>
+              <a:t>Глубина(Г) – глубина пикселя, преобразованного</a:t>
+            </a:r>
+            <a:br>
+              <a:rPr lang="ru-RU" dirty="0" smtClean="0"/>
+            </a:br>
+            <a:r>
+              <a:rPr lang="ru-RU" dirty="0" smtClean="0"/>
+              <a:t>в пространство источника света.</a:t>
+            </a:r>
+            <a:endParaRPr lang="ru-RU" dirty="0"/>
+          </a:p>
+        </p:txBody>
+      </p:sp>
+    </p:spTree>
+    <p:extLst>
+      <p:ext uri="{BB962C8B-B14F-4D97-AF65-F5344CB8AC3E}">
+        <p14:creationId xmlns:p14="http://schemas.microsoft.com/office/powerpoint/2010/main" val="1633442163"/>
+      </p:ext>
+    </p:extLst>
+  </p:cSld>
+  <p:clrMapOvr>
+    <a:masterClrMapping/>
+  </p:clrMapOvr>
+</p:sld>
+</file>
+
+<file path=ppt/slides/slide6.xml><?xml version="1.0" encoding="utf-8"?>
 <p:sld xmlns:a="http://schemas.openxmlformats.org/drawingml/2006/main" xmlns:r="http://schemas.openxmlformats.org/officeDocument/2006/relationships" xmlns:p="http://schemas.openxmlformats.org/presentationml/2006/main">
   <p:cSld>
     <p:spTree>
@@ -4846,7 +6299,7 @@
 </p:sld>
 </file>
 
-<file path=ppt/slides/slide4.xml><?xml version="1.0" encoding="utf-8"?>
+<file path=ppt/slides/slide7.xml><?xml version="1.0" encoding="utf-8"?>
 <p:sld xmlns:a="http://schemas.openxmlformats.org/drawingml/2006/main" xmlns:r="http://schemas.openxmlformats.org/officeDocument/2006/relationships" xmlns:p="http://schemas.openxmlformats.org/presentationml/2006/main">
   <p:cSld>
     <p:spTree>
@@ -5033,7 +6486,7 @@
 </p:sld>
 </file>
 
-<file path=ppt/slides/slide5.xml><?xml version="1.0" encoding="utf-8"?>
+<file path=ppt/slides/slide8.xml><?xml version="1.0" encoding="utf-8"?>
 <p:sld xmlns:a="http://schemas.openxmlformats.org/drawingml/2006/main" xmlns:r="http://schemas.openxmlformats.org/officeDocument/2006/relationships" xmlns:p="http://schemas.openxmlformats.org/presentationml/2006/main">
   <p:cSld>
     <p:spTree>
@@ -5160,7 +6613,7 @@
 </p:sld>
 </file>
 
-<file path=ppt/slides/slide6.xml><?xml version="1.0" encoding="utf-8"?>
+<file path=ppt/slides/slide9.xml><?xml version="1.0" encoding="utf-8"?>
 <p:sld xmlns:a="http://schemas.openxmlformats.org/drawingml/2006/main" xmlns:r="http://schemas.openxmlformats.org/officeDocument/2006/relationships" xmlns:p="http://schemas.openxmlformats.org/presentationml/2006/main">
   <p:cSld>
     <p:spTree>
@@ -5179,161 +6632,6 @@
       </p:grpSpPr>
       <p:sp>
         <p:nvSpPr>
-          <p:cNvPr id="2" name="Заголовок 1">
-            <a:extLst>
-              <a:ext uri="{FF2B5EF4-FFF2-40B4-BE49-F238E27FC236}">
-                <a16:creationId xmlns:a16="http://schemas.microsoft.com/office/drawing/2014/main" xmlns="" id="{985B9BD7-1FDD-4E86-AFB9-4B5CED8CE62E}"/>
-              </a:ext>
-            </a:extLst>
-          </p:cNvPr>
-          <p:cNvSpPr>
-            <a:spLocks noGrp="1"/>
-          </p:cNvSpPr>
-          <p:nvPr>
-            <p:ph type="title"/>
-          </p:nvPr>
-        </p:nvSpPr>
-        <p:spPr>
-          <a:xfrm>
-            <a:off x="3251250" y="358799"/>
-            <a:ext cx="5689503" cy="1144893"/>
-          </a:xfrm>
-        </p:spPr>
-        <p:txBody>
-          <a:bodyPr>
-            <a:noAutofit/>
-          </a:bodyPr>
-          <a:lstStyle/>
-          <a:p>
-            <a:pPr algn="ctr"/>
-            <a:r>
-              <a:rPr lang="ru-RU" sz="4800" dirty="0"/>
-              <a:t>Примеры работы</a:t>
-            </a:r>
-          </a:p>
-        </p:txBody>
-      </p:sp>
-      <p:pic>
-        <p:nvPicPr>
-          <p:cNvPr id="5123" name="Picture 3" descr="C:\Users\зейнал\Desktop\Курсач\Снимок3.PNG"/>
-          <p:cNvPicPr>
-            <a:picLocks noChangeAspect="1" noChangeArrowheads="1"/>
-          </p:cNvPicPr>
-          <p:nvPr/>
-        </p:nvPicPr>
-        <p:blipFill>
-          <a:blip r:embed="rId2">
-            <a:extLst>
-              <a:ext uri="{28A0092B-C50C-407E-A947-70E740481C1C}">
-                <a14:useLocalDpi xmlns:a14="http://schemas.microsoft.com/office/drawing/2010/main" val="0"/>
-              </a:ext>
-            </a:extLst>
-          </a:blip>
-          <a:srcRect/>
-          <a:stretch>
-            <a:fillRect/>
-          </a:stretch>
-        </p:blipFill>
-        <p:spPr bwMode="auto">
-          <a:xfrm>
-            <a:off x="463139" y="1457706"/>
-            <a:ext cx="6103916" cy="3790074"/>
-          </a:xfrm>
-          <a:prstGeom prst="rect">
-            <a:avLst/>
-          </a:prstGeom>
-          <a:noFill/>
-          <a:extLst>
-            <a:ext uri="{909E8E84-426E-40DD-AFC4-6F175D3DCCD1}">
-              <a14:hiddenFill xmlns:a14="http://schemas.microsoft.com/office/drawing/2010/main">
-                <a:solidFill>
-                  <a:srgbClr val="FFFFFF"/>
-                </a:solidFill>
-              </a14:hiddenFill>
-            </a:ext>
-          </a:extLst>
-        </p:spPr>
-      </p:pic>
-      <p:pic>
-        <p:nvPicPr>
-          <p:cNvPr id="5124" name="Picture 4" descr="C:\Users\зейнал\Desktop\Курсач\иниерфейс2.PNG"/>
-          <p:cNvPicPr>
-            <a:picLocks noChangeAspect="1" noChangeArrowheads="1"/>
-          </p:cNvPicPr>
-          <p:nvPr/>
-        </p:nvPicPr>
-        <p:blipFill>
-          <a:blip r:embed="rId3">
-            <a:extLst>
-              <a:ext uri="{28A0092B-C50C-407E-A947-70E740481C1C}">
-                <a14:useLocalDpi xmlns:a14="http://schemas.microsoft.com/office/drawing/2010/main" val="0"/>
-              </a:ext>
-            </a:extLst>
-          </a:blip>
-          <a:srcRect/>
-          <a:stretch>
-            <a:fillRect/>
-          </a:stretch>
-        </p:blipFill>
-        <p:spPr bwMode="auto">
-          <a:xfrm>
-            <a:off x="5262562" y="2345090"/>
-            <a:ext cx="6363380" cy="3946542"/>
-          </a:xfrm>
-          <a:prstGeom prst="rect">
-            <a:avLst/>
-          </a:prstGeom>
-          <a:noFill/>
-          <a:extLst>
-            <a:ext uri="{909E8E84-426E-40DD-AFC4-6F175D3DCCD1}">
-              <a14:hiddenFill xmlns:a14="http://schemas.microsoft.com/office/drawing/2010/main">
-                <a:solidFill>
-                  <a:srgbClr val="FFFFFF"/>
-                </a:solidFill>
-              </a14:hiddenFill>
-            </a:ext>
-          </a:extLst>
-        </p:spPr>
-      </p:pic>
-    </p:spTree>
-    <p:extLst>
-      <p:ext uri="{BB962C8B-B14F-4D97-AF65-F5344CB8AC3E}">
-        <p14:creationId xmlns:p14="http://schemas.microsoft.com/office/powerpoint/2010/main" val="2433322432"/>
-      </p:ext>
-    </p:extLst>
-  </p:cSld>
-  <p:clrMapOvr>
-    <a:masterClrMapping/>
-  </p:clrMapOvr>
-  <p:timing>
-    <p:tnLst>
-      <p:par>
-        <p:cTn id="1" dur="indefinite" restart="never" nodeType="tmRoot"/>
-      </p:par>
-    </p:tnLst>
-  </p:timing>
-</p:sld>
-</file>
-
-<file path=ppt/slides/slide7.xml><?xml version="1.0" encoding="utf-8"?>
-<p:sld xmlns:a="http://schemas.openxmlformats.org/drawingml/2006/main" xmlns:r="http://schemas.openxmlformats.org/officeDocument/2006/relationships" xmlns:p="http://schemas.openxmlformats.org/presentationml/2006/main">
-  <p:cSld>
-    <p:spTree>
-      <p:nvGrpSpPr>
-        <p:cNvPr id="1" name=""/>
-        <p:cNvGrpSpPr/>
-        <p:nvPr/>
-      </p:nvGrpSpPr>
-      <p:grpSpPr>
-        <a:xfrm>
-          <a:off x="0" y="0"/>
-          <a:ext cx="0" cy="0"/>
-          <a:chOff x="0" y="0"/>
-          <a:chExt cx="0" cy="0"/>
-        </a:xfrm>
-      </p:grpSpPr>
-      <p:sp>
-        <p:nvSpPr>
           <p:cNvPr id="12" name="Заголовок 1">
             <a:extLst>
               <a:ext uri="{FF2B5EF4-FFF2-40B4-BE49-F238E27FC236}">
@@ -5506,7 +6804,7 @@
           <p:nvPr>
             <p:extLst>
               <p:ext uri="{D42A27DB-BD31-4B8C-83A1-F6EECF244321}">
-                <p14:modId xmlns:p14="http://schemas.microsoft.com/office/powerpoint/2010/main" val="4164115679"/>
+                <p14:modId xmlns:p14="http://schemas.microsoft.com/office/powerpoint/2010/main" val="960842851"/>
               </p:ext>
             </p:extLst>
           </p:nvPr>
@@ -5523,19 +6821,21 @@
       </p:graphicFrame>
       <p:graphicFrame>
         <p:nvGraphicFramePr>
-          <p:cNvPr id="13" name="Диаграмма 12"/>
-          <p:cNvGraphicFramePr/>
+          <p:cNvPr id="16" name="Диаграмма 15"/>
+          <p:cNvGraphicFramePr>
+            <a:graphicFrameLocks/>
+          </p:cNvGraphicFramePr>
           <p:nvPr>
             <p:extLst>
               <p:ext uri="{D42A27DB-BD31-4B8C-83A1-F6EECF244321}">
-                <p14:modId xmlns:p14="http://schemas.microsoft.com/office/powerpoint/2010/main" val="112819421"/>
+                <p14:modId xmlns:p14="http://schemas.microsoft.com/office/powerpoint/2010/main" val="2345248860"/>
               </p:ext>
             </p:extLst>
           </p:nvPr>
         </p:nvGraphicFramePr>
         <p:xfrm>
-          <a:off x="6096000" y="2549752"/>
-          <a:ext cx="5529943" cy="3672918"/>
+          <a:off x="5727169" y="2460705"/>
+          <a:ext cx="5474231" cy="3762295"/>
         </p:xfrm>
         <a:graphic>
           <a:graphicData uri="http://schemas.openxmlformats.org/drawingml/2006/chart">
@@ -5547,181 +6847,6 @@
     <p:extLst>
       <p:ext uri="{BB962C8B-B14F-4D97-AF65-F5344CB8AC3E}">
         <p14:creationId xmlns:p14="http://schemas.microsoft.com/office/powerpoint/2010/main" val="3655862455"/>
-      </p:ext>
-    </p:extLst>
-  </p:cSld>
-  <p:clrMapOvr>
-    <a:masterClrMapping/>
-  </p:clrMapOvr>
-  <p:timing>
-    <p:tnLst>
-      <p:par>
-        <p:cTn id="1" dur="indefinite" restart="never" nodeType="tmRoot"/>
-      </p:par>
-    </p:tnLst>
-  </p:timing>
-</p:sld>
-</file>
-
-<file path=ppt/slides/slide8.xml><?xml version="1.0" encoding="utf-8"?>
-<p:sld xmlns:a="http://schemas.openxmlformats.org/drawingml/2006/main" xmlns:r="http://schemas.openxmlformats.org/officeDocument/2006/relationships" xmlns:p="http://schemas.openxmlformats.org/presentationml/2006/main">
-  <p:cSld>
-    <p:spTree>
-      <p:nvGrpSpPr>
-        <p:cNvPr id="1" name=""/>
-        <p:cNvGrpSpPr/>
-        <p:nvPr/>
-      </p:nvGrpSpPr>
-      <p:grpSpPr>
-        <a:xfrm>
-          <a:off x="0" y="0"/>
-          <a:ext cx="0" cy="0"/>
-          <a:chOff x="0" y="0"/>
-          <a:chExt cx="0" cy="0"/>
-        </a:xfrm>
-      </p:grpSpPr>
-      <p:sp>
-        <p:nvSpPr>
-          <p:cNvPr id="2" name="Заголовок 1">
-            <a:extLst>
-              <a:ext uri="{FF2B5EF4-FFF2-40B4-BE49-F238E27FC236}">
-                <a16:creationId xmlns:a16="http://schemas.microsoft.com/office/drawing/2014/main" xmlns="" id="{985B9BD7-1FDD-4E86-AFB9-4B5CED8CE62E}"/>
-              </a:ext>
-            </a:extLst>
-          </p:cNvPr>
-          <p:cNvSpPr>
-            <a:spLocks noGrp="1"/>
-          </p:cNvSpPr>
-          <p:nvPr>
-            <p:ph type="title"/>
-          </p:nvPr>
-        </p:nvSpPr>
-        <p:spPr>
-          <a:xfrm>
-            <a:off x="3251249" y="492295"/>
-            <a:ext cx="5689503" cy="1144893"/>
-          </a:xfrm>
-        </p:spPr>
-        <p:txBody>
-          <a:bodyPr>
-            <a:noAutofit/>
-          </a:bodyPr>
-          <a:lstStyle/>
-          <a:p>
-            <a:pPr algn="ctr"/>
-            <a:r>
-              <a:rPr lang="ru-RU" sz="4800" dirty="0"/>
-              <a:t>Заключение</a:t>
-            </a:r>
-          </a:p>
-        </p:txBody>
-      </p:sp>
-      <p:sp>
-        <p:nvSpPr>
-          <p:cNvPr id="3" name="TextBox 2">
-            <a:extLst>
-              <a:ext uri="{FF2B5EF4-FFF2-40B4-BE49-F238E27FC236}">
-                <a16:creationId xmlns:a16="http://schemas.microsoft.com/office/drawing/2014/main" xmlns="" id="{13EF5E31-3608-4D63-B7CE-0F45515B4C08}"/>
-              </a:ext>
-            </a:extLst>
-          </p:cNvPr>
-          <p:cNvSpPr txBox="1"/>
-          <p:nvPr/>
-        </p:nvSpPr>
-        <p:spPr>
-          <a:xfrm>
-            <a:off x="1663769" y="1693170"/>
-            <a:ext cx="8864459" cy="4678204"/>
-          </a:xfrm>
-          <a:prstGeom prst="rect">
-            <a:avLst/>
-          </a:prstGeom>
-          <a:noFill/>
-        </p:spPr>
-        <p:txBody>
-          <a:bodyPr wrap="square" rtlCol="0" anchor="ctr">
-            <a:spAutoFit/>
-          </a:bodyPr>
-          <a:lstStyle/>
-          <a:p>
-            <a:pPr marL="285750" indent="-285750">
-              <a:buFont typeface="Arial" panose="020B0604020202020204" pitchFamily="34" charset="0"/>
-              <a:buChar char="•"/>
-            </a:pPr>
-            <a:r>
-              <a:rPr lang="ru-RU" sz="2000" dirty="0"/>
-              <a:t>Был разработан программный продукт, позволяющий </a:t>
-            </a:r>
-            <a:r>
-              <a:rPr lang="ru-RU" sz="2000" dirty="0" smtClean="0"/>
-              <a:t>моделировать взлет космической ракеты.</a:t>
-            </a:r>
-            <a:endParaRPr lang="ru-RU" sz="2000" dirty="0"/>
-          </a:p>
-          <a:p>
-            <a:endParaRPr lang="ru-RU" sz="2000" dirty="0"/>
-          </a:p>
-          <a:p>
-            <a:pPr marL="342900" indent="-342900">
-              <a:buFont typeface="Arial" panose="020B0604020202020204" pitchFamily="34" charset="0"/>
-              <a:buChar char="•"/>
-            </a:pPr>
-            <a:r>
-              <a:rPr lang="ru-RU" sz="2000" dirty="0"/>
-              <a:t>Рассмотрены, проанализированы и реализованы основные алгоритмы построения реалистичного трехмерного изображения.</a:t>
-            </a:r>
-          </a:p>
-          <a:p>
-            <a:endParaRPr lang="ru-RU" sz="2000" dirty="0"/>
-          </a:p>
-          <a:p>
-            <a:pPr marL="285750" indent="-285750">
-              <a:buFont typeface="Arial" panose="020B0604020202020204" pitchFamily="34" charset="0"/>
-              <a:buChar char="•"/>
-            </a:pPr>
-            <a:r>
-              <a:rPr lang="ru-RU" sz="2000" dirty="0"/>
-              <a:t>Спроектирован пользовательский интерфейс, </a:t>
-            </a:r>
-            <a:r>
-              <a:rPr lang="ru-RU" sz="2000" dirty="0" smtClean="0"/>
-              <a:t>предоставляющий возможность менять положение ракеты в пространстве и вращать ее, менять положение источника освещения и его цвет, использовать тени, вращать сцену.</a:t>
-            </a:r>
-            <a:endParaRPr lang="ru-RU" sz="2000" dirty="0"/>
-          </a:p>
-          <a:p>
-            <a:endParaRPr lang="ru-RU" sz="2000" dirty="0"/>
-          </a:p>
-          <a:p>
-            <a:pPr marL="285750" indent="-285750">
-              <a:buFont typeface="Arial" panose="020B0604020202020204" pitchFamily="34" charset="0"/>
-              <a:buChar char="•"/>
-            </a:pPr>
-            <a:r>
-              <a:rPr lang="ru-RU" sz="2000" dirty="0"/>
-              <a:t>Проведены и проанализированы экспериментальные исследования временных характеристик разработанного программного продукта.</a:t>
-            </a:r>
-          </a:p>
-          <a:p>
-            <a:pPr algn="just"/>
-            <a:r>
-              <a:rPr lang="ru-RU" sz="2000" dirty="0"/>
-              <a:t>	</a:t>
-            </a:r>
-          </a:p>
-          <a:p>
-            <a:pPr marL="742950" lvl="1" indent="-285750">
-              <a:buFont typeface="Arial" panose="020B0604020202020204" pitchFamily="34" charset="0"/>
-              <a:buChar char="•"/>
-            </a:pPr>
-            <a:endParaRPr lang="ru-RU" dirty="0"/>
-          </a:p>
-        </p:txBody>
-      </p:sp>
-    </p:spTree>
-    <p:extLst>
-      <p:ext uri="{BB962C8B-B14F-4D97-AF65-F5344CB8AC3E}">
-        <p14:creationId xmlns:p14="http://schemas.microsoft.com/office/powerpoint/2010/main" val="2333651299"/>
       </p:ext>
     </p:extLst>
   </p:cSld>
